--- a/presentations/6a CS-Studio - Alarms.pptx
+++ b/presentations/6a CS-Studio - Alarms.pptx
@@ -228,7 +228,7 @@
           <a:p>
             <a:fld id="{A7A27A44-0D8A-4916-8372-FF726492F595}" type="datetimeFigureOut">
               <a:rPr lang="en-US" smtClean="0"/>
-              <a:t>5/6/2016</a:t>
+              <a:t>5/25/2016</a:t>
             </a:fld>
             <a:endParaRPr lang="en-US"/>
           </a:p>
@@ -2395,7 +2395,7 @@
           <a:p>
             <a:fld id="{3243CDE4-8370-4E4E-8F42-07F93DD3B773}" type="datetimeFigureOut">
               <a:rPr lang="en-US" smtClean="0"/>
-              <a:t>5/6/2016</a:t>
+              <a:t>5/25/2016</a:t>
             </a:fld>
             <a:endParaRPr lang="en-US"/>
           </a:p>
@@ -2565,7 +2565,7 @@
           <a:p>
             <a:fld id="{3243CDE4-8370-4E4E-8F42-07F93DD3B773}" type="datetimeFigureOut">
               <a:rPr lang="en-US" smtClean="0"/>
-              <a:t>5/6/2016</a:t>
+              <a:t>5/25/2016</a:t>
             </a:fld>
             <a:endParaRPr lang="en-US"/>
           </a:p>
@@ -2745,7 +2745,7 @@
           <a:p>
             <a:fld id="{3243CDE4-8370-4E4E-8F42-07F93DD3B773}" type="datetimeFigureOut">
               <a:rPr lang="en-US" smtClean="0"/>
-              <a:t>5/6/2016</a:t>
+              <a:t>5/25/2016</a:t>
             </a:fld>
             <a:endParaRPr lang="en-US"/>
           </a:p>
@@ -2915,7 +2915,7 @@
           <a:p>
             <a:fld id="{3243CDE4-8370-4E4E-8F42-07F93DD3B773}" type="datetimeFigureOut">
               <a:rPr lang="en-US" smtClean="0"/>
-              <a:t>5/6/2016</a:t>
+              <a:t>5/25/2016</a:t>
             </a:fld>
             <a:endParaRPr lang="en-US"/>
           </a:p>
@@ -3161,7 +3161,7 @@
           <a:p>
             <a:fld id="{3243CDE4-8370-4E4E-8F42-07F93DD3B773}" type="datetimeFigureOut">
               <a:rPr lang="en-US" smtClean="0"/>
-              <a:t>5/6/2016</a:t>
+              <a:t>5/25/2016</a:t>
             </a:fld>
             <a:endParaRPr lang="en-US"/>
           </a:p>
@@ -3393,7 +3393,7 @@
           <a:p>
             <a:fld id="{3243CDE4-8370-4E4E-8F42-07F93DD3B773}" type="datetimeFigureOut">
               <a:rPr lang="en-US" smtClean="0"/>
-              <a:t>5/6/2016</a:t>
+              <a:t>5/25/2016</a:t>
             </a:fld>
             <a:endParaRPr lang="en-US"/>
           </a:p>
@@ -3760,7 +3760,7 @@
           <a:p>
             <a:fld id="{3243CDE4-8370-4E4E-8F42-07F93DD3B773}" type="datetimeFigureOut">
               <a:rPr lang="en-US" smtClean="0"/>
-              <a:t>5/6/2016</a:t>
+              <a:t>5/25/2016</a:t>
             </a:fld>
             <a:endParaRPr lang="en-US"/>
           </a:p>
@@ -3878,7 +3878,7 @@
           <a:p>
             <a:fld id="{3243CDE4-8370-4E4E-8F42-07F93DD3B773}" type="datetimeFigureOut">
               <a:rPr lang="en-US" smtClean="0"/>
-              <a:t>5/6/2016</a:t>
+              <a:t>5/25/2016</a:t>
             </a:fld>
             <a:endParaRPr lang="en-US"/>
           </a:p>
@@ -3973,7 +3973,7 @@
           <a:p>
             <a:fld id="{3243CDE4-8370-4E4E-8F42-07F93DD3B773}" type="datetimeFigureOut">
               <a:rPr lang="en-US" smtClean="0"/>
-              <a:t>5/6/2016</a:t>
+              <a:t>5/25/2016</a:t>
             </a:fld>
             <a:endParaRPr lang="en-US"/>
           </a:p>
@@ -4250,7 +4250,7 @@
           <a:p>
             <a:fld id="{3243CDE4-8370-4E4E-8F42-07F93DD3B773}" type="datetimeFigureOut">
               <a:rPr lang="en-US" smtClean="0"/>
-              <a:t>5/6/2016</a:t>
+              <a:t>5/25/2016</a:t>
             </a:fld>
             <a:endParaRPr lang="en-US"/>
           </a:p>
@@ -4503,7 +4503,7 @@
           <a:p>
             <a:fld id="{3243CDE4-8370-4E4E-8F42-07F93DD3B773}" type="datetimeFigureOut">
               <a:rPr lang="en-US" smtClean="0"/>
-              <a:t>5/6/2016</a:t>
+              <a:t>5/25/2016</a:t>
             </a:fld>
             <a:endParaRPr lang="en-US"/>
           </a:p>
@@ -4716,7 +4716,7 @@
           <a:p>
             <a:fld id="{3243CDE4-8370-4E4E-8F42-07F93DD3B773}" type="datetimeFigureOut">
               <a:rPr lang="en-US" smtClean="0"/>
-              <a:t>5/6/2016</a:t>
+              <a:t>5/25/2016</a:t>
             </a:fld>
             <a:endParaRPr lang="en-US"/>
           </a:p>
@@ -7555,7 +7555,9 @@
         </p:nvSpPr>
         <p:spPr/>
         <p:txBody>
-          <a:bodyPr/>
+          <a:bodyPr>
+            <a:normAutofit lnSpcReduction="10000"/>
+          </a:bodyPr>
           <a:lstStyle/>
           <a:p>
             <a:r>
@@ -7568,6 +7570,13 @@
             <a:r>
               <a:rPr lang="en-US" dirty="0" smtClean="0"/>
               <a:t>Handles Alarm logic</a:t>
+            </a:r>
+          </a:p>
+          <a:p>
+            <a:pPr lvl="1"/>
+            <a:r>
+              <a:rPr lang="en-US" dirty="0" smtClean="0"/>
+              <a:t>Stores alarm configuration</a:t>
             </a:r>
           </a:p>
           <a:p>
@@ -7626,7 +7635,9 @@
         </p:nvSpPr>
         <p:spPr/>
         <p:txBody>
-          <a:bodyPr/>
+          <a:bodyPr>
+            <a:normAutofit lnSpcReduction="10000"/>
+          </a:bodyPr>
           <a:lstStyle/>
           <a:p>
             <a:endParaRPr lang="en-US"/>
@@ -7861,7 +7872,7 @@
         </p:blipFill>
         <p:spPr>
           <a:xfrm>
-            <a:off x="5648446" y="458909"/>
+            <a:off x="5648446" y="471972"/>
             <a:ext cx="5922366" cy="5308844"/>
           </a:xfrm>
           <a:prstGeom prst="rect">
